--- a/pyworks/python_ppt/Python 6장. 모듈 .pptx
+++ b/pyworks/python_ppt/Python 6장. 모듈 .pptx
@@ -40,8 +40,8 @@
     <p:sldId id="388" r:id="rId31"/>
     <p:sldId id="389" r:id="rId32"/>
     <p:sldId id="305" r:id="rId33"/>
-    <p:sldId id="304" r:id="rId34"/>
-    <p:sldId id="342" r:id="rId35"/>
+    <p:sldId id="342" r:id="rId34"/>
+    <p:sldId id="304" r:id="rId35"/>
     <p:sldId id="307" r:id="rId36"/>
     <p:sldId id="308" r:id="rId37"/>
     <p:sldId id="352" r:id="rId38"/>
@@ -151,7 +151,7 @@
   </p:defaultTextStyle>
   <p:extLst>
     <p:ext uri="{EFAFB233-063F-42B5-8137-9DF3F51BA10A}">
-      <p15:sldGuideLst xmlns="" xmlns:p15="http://schemas.microsoft.com/office/powerpoint/2012/main">
+      <p15:sldGuideLst xmlns:p15="http://schemas.microsoft.com/office/powerpoint/2012/main">
         <p15:guide id="1" orient="horz" pos="2160">
           <p15:clr>
             <a:srgbClr val="A4A3A4"/>
@@ -250,7 +250,7 @@
           <a:p>
             <a:fld id="{7665CDAC-D627-4E87-877A-1B781DD4CADC}" type="datetimeFigureOut">
               <a:rPr lang="ko-KR" altLang="en-US" smtClean="0"/>
-              <a:t>2022-02-06</a:t>
+              <a:t>2023-04-25</a:t>
             </a:fld>
             <a:endParaRPr lang="ko-KR" altLang="en-US"/>
           </a:p>
@@ -662,7 +662,7 @@
           <a:p>
             <a:fld id="{C25BCFD5-C4DF-4EBC-B718-C69ED2FBDE6F}" type="datetime1">
               <a:rPr lang="ko-KR" altLang="en-US" smtClean="0"/>
-              <a:t>2022-02-06</a:t>
+              <a:t>2023-04-25</a:t>
             </a:fld>
             <a:endParaRPr lang="ko-KR" altLang="en-US"/>
           </a:p>
@@ -715,7 +715,7 @@
           <p:cNvPr id="9" name="직각 삼각형 2">
             <a:extLst>
               <a:ext uri="{FF2B5EF4-FFF2-40B4-BE49-F238E27FC236}">
-                <a16:creationId xmlns:a16="http://schemas.microsoft.com/office/drawing/2014/main" xmlns="" id="{3A714731-6D03-4E18-B8C6-D8E1F4F17412}"/>
+                <a16:creationId xmlns:a16="http://schemas.microsoft.com/office/drawing/2014/main" id="{3A714731-6D03-4E18-B8C6-D8E1F4F17412}"/>
               </a:ext>
             </a:extLst>
           </p:cNvPr>
@@ -831,7 +831,7 @@
           <p:cNvPr id="3" name="직각 삼각형 2">
             <a:extLst>
               <a:ext uri="{FF2B5EF4-FFF2-40B4-BE49-F238E27FC236}">
-                <a16:creationId xmlns:a16="http://schemas.microsoft.com/office/drawing/2014/main" xmlns="" id="{DF1B6BC0-8338-40DD-BF30-626E17AD387E}"/>
+                <a16:creationId xmlns:a16="http://schemas.microsoft.com/office/drawing/2014/main" id="{DF1B6BC0-8338-40DD-BF30-626E17AD387E}"/>
               </a:ext>
             </a:extLst>
           </p:cNvPr>
@@ -944,7 +944,7 @@
           <p:cNvPr id="2050" name="Picture 2" descr="íì´ì¬ â¢">
             <a:extLst>
               <a:ext uri="{FF2B5EF4-FFF2-40B4-BE49-F238E27FC236}">
-                <a16:creationId xmlns:a16="http://schemas.microsoft.com/office/drawing/2014/main" xmlns="" id="{8B696DBA-70BE-4EBC-8628-59B49C89E0D4}"/>
+                <a16:creationId xmlns:a16="http://schemas.microsoft.com/office/drawing/2014/main" id="{8B696DBA-70BE-4EBC-8628-59B49C89E0D4}"/>
               </a:ext>
             </a:extLst>
           </p:cNvPr>
@@ -1113,7 +1113,7 @@
           <a:p>
             <a:fld id="{AB448CD7-D367-43D5-B461-ACE552E75063}" type="datetime1">
               <a:rPr lang="ko-KR" altLang="en-US" smtClean="0"/>
-              <a:t>2022-02-06</a:t>
+              <a:t>2023-04-25</a:t>
             </a:fld>
             <a:endParaRPr lang="ko-KR" altLang="en-US"/>
           </a:p>
@@ -1291,7 +1291,7 @@
           <a:p>
             <a:fld id="{B6E49E79-7361-4780-8BEF-7EDE3708298A}" type="datetime1">
               <a:rPr lang="ko-KR" altLang="en-US" smtClean="0"/>
-              <a:t>2022-02-06</a:t>
+              <a:t>2023-04-25</a:t>
             </a:fld>
             <a:endParaRPr lang="ko-KR" altLang="en-US"/>
           </a:p>
@@ -1463,7 +1463,7 @@
           <a:p>
             <a:fld id="{A4D42E3C-B70B-437C-85CF-1286301B9CBA}" type="datetime1">
               <a:rPr lang="ko-KR" altLang="en-US" smtClean="0"/>
-              <a:t>2022-02-06</a:t>
+              <a:t>2023-04-25</a:t>
             </a:fld>
             <a:endParaRPr lang="ko-KR" altLang="en-US"/>
           </a:p>
@@ -1715,7 +1715,7 @@
           <a:p>
             <a:fld id="{B3369A20-5B3D-4D98-A822-26B93D177A40}" type="datetime1">
               <a:rPr lang="ko-KR" altLang="en-US" smtClean="0"/>
-              <a:t>2022-02-06</a:t>
+              <a:t>2023-04-25</a:t>
             </a:fld>
             <a:endParaRPr lang="ko-KR" altLang="en-US"/>
           </a:p>
@@ -2000,7 +2000,7 @@
           <a:p>
             <a:fld id="{685CD4CE-9E43-4F70-A9D8-A2130CA7D92A}" type="datetime1">
               <a:rPr lang="ko-KR" altLang="en-US" smtClean="0"/>
-              <a:t>2022-02-06</a:t>
+              <a:t>2023-04-25</a:t>
             </a:fld>
             <a:endParaRPr lang="ko-KR" altLang="en-US"/>
           </a:p>
@@ -2426,7 +2426,7 @@
           <a:p>
             <a:fld id="{F752BD92-DA3E-4A0B-90C9-7DE5E15B6E96}" type="datetime1">
               <a:rPr lang="ko-KR" altLang="en-US" smtClean="0"/>
-              <a:t>2022-02-06</a:t>
+              <a:t>2023-04-25</a:t>
             </a:fld>
             <a:endParaRPr lang="ko-KR" altLang="en-US"/>
           </a:p>
@@ -2550,7 +2550,7 @@
           <a:p>
             <a:fld id="{8EA2B83A-F366-424E-B742-340ACF856BB5}" type="datetime1">
               <a:rPr lang="ko-KR" altLang="en-US" smtClean="0"/>
-              <a:t>2022-02-06</a:t>
+              <a:t>2023-04-25</a:t>
             </a:fld>
             <a:endParaRPr lang="ko-KR" altLang="en-US"/>
           </a:p>
@@ -2645,7 +2645,7 @@
           <a:p>
             <a:fld id="{9A49D68B-5DBD-48E9-A8D4-FCBC4B3DD9C6}" type="datetime1">
               <a:rPr lang="ko-KR" altLang="en-US" smtClean="0"/>
-              <a:t>2022-02-06</a:t>
+              <a:t>2023-04-25</a:t>
             </a:fld>
             <a:endParaRPr lang="ko-KR" altLang="en-US"/>
           </a:p>
@@ -2920,7 +2920,7 @@
           <a:p>
             <a:fld id="{4CAB534F-7D16-467B-9320-91F98915D181}" type="datetime1">
               <a:rPr lang="ko-KR" altLang="en-US" smtClean="0"/>
-              <a:t>2022-02-06</a:t>
+              <a:t>2023-04-25</a:t>
             </a:fld>
             <a:endParaRPr lang="ko-KR" altLang="en-US"/>
           </a:p>
@@ -3172,7 +3172,7 @@
           <a:p>
             <a:fld id="{A390A91F-2F8D-4486-A69D-D680F95444B0}" type="datetime1">
               <a:rPr lang="ko-KR" altLang="en-US" smtClean="0"/>
-              <a:t>2022-02-06</a:t>
+              <a:t>2023-04-25</a:t>
             </a:fld>
             <a:endParaRPr lang="ko-KR" altLang="en-US"/>
           </a:p>
@@ -3351,7 +3351,7 @@
           <a:p>
             <a:fld id="{2238BBEA-E8DD-414A-BF68-FC2AFA7CFF2D}" type="datetime1">
               <a:rPr lang="ko-KR" altLang="en-US" smtClean="0"/>
-              <a:t>2022-02-06</a:t>
+              <a:t>2023-04-25</a:t>
             </a:fld>
             <a:endParaRPr lang="ko-KR" altLang="en-US"/>
           </a:p>
@@ -11348,11 +11348,7 @@
             </a:r>
             <a:r>
               <a:rPr lang="ko-KR" altLang="en-US" dirty="0" smtClean="0"/>
-              <a:t> </a:t>
-            </a:r>
-            <a:r>
-              <a:rPr lang="ko-KR" altLang="en-US" dirty="0" smtClean="0"/>
-              <a:t>가위</a:t>
+              <a:t> 가위</a:t>
             </a:r>
             <a:r>
               <a:rPr lang="en-US" altLang="ko-KR" dirty="0" smtClean="0"/>
@@ -11429,7 +11425,6 @@
               <a:rPr lang="en-US" altLang="ko-KR" dirty="0" smtClean="0"/>
               <a:t>.</a:t>
             </a:r>
-            <a:endParaRPr lang="en-US" altLang="ko-KR" dirty="0" smtClean="0"/>
           </a:p>
           <a:p>
             <a:pPr>
@@ -11489,7 +11484,6 @@
               <a:rPr lang="en-US" altLang="ko-KR" dirty="0" smtClean="0"/>
               <a:t>.</a:t>
             </a:r>
-            <a:endParaRPr lang="en-US" altLang="ko-KR" dirty="0" smtClean="0"/>
           </a:p>
           <a:p>
             <a:pPr>
@@ -11892,14 +11886,14 @@
                 <a:gridCol w="1656184">
                   <a:extLst>
                     <a:ext uri="{9D8B030D-6E8A-4147-A177-3AD203B41FA5}">
-                      <a16:colId xmlns:a16="http://schemas.microsoft.com/office/drawing/2014/main" xmlns="" val="20000"/>
+                      <a16:colId xmlns:a16="http://schemas.microsoft.com/office/drawing/2014/main" val="20000"/>
                     </a:ext>
                   </a:extLst>
                 </a:gridCol>
                 <a:gridCol w="5544616">
                   <a:extLst>
                     <a:ext uri="{9D8B030D-6E8A-4147-A177-3AD203B41FA5}">
-                      <a16:colId xmlns:a16="http://schemas.microsoft.com/office/drawing/2014/main" xmlns="" val="20004"/>
+                      <a16:colId xmlns:a16="http://schemas.microsoft.com/office/drawing/2014/main" val="20004"/>
                     </a:ext>
                   </a:extLst>
                 </a:gridCol>
@@ -11979,7 +11973,7 @@
                 </a:tc>
                 <a:extLst>
                   <a:ext uri="{0D108BD9-81ED-4DB2-BD59-A6C34878D82A}">
-                    <a16:rowId xmlns:a16="http://schemas.microsoft.com/office/drawing/2014/main" xmlns="" val="10000"/>
+                    <a16:rowId xmlns:a16="http://schemas.microsoft.com/office/drawing/2014/main" val="10000"/>
                   </a:ext>
                 </a:extLst>
               </a:tr>
@@ -12046,6 +12040,11 @@
                     </a:lnR>
                   </a:tcPr>
                 </a:tc>
+                <a:extLst>
+                  <a:ext uri="{0D108BD9-81ED-4DB2-BD59-A6C34878D82A}">
+                    <a16:rowId xmlns:a16="http://schemas.microsoft.com/office/drawing/2014/main" val="10004"/>
+                  </a:ext>
+                </a:extLst>
               </a:tr>
               <a:tr h="456237">
                 <a:tc>
@@ -12112,7 +12111,7 @@
                 </a:tc>
                 <a:extLst>
                   <a:ext uri="{0D108BD9-81ED-4DB2-BD59-A6C34878D82A}">
-                    <a16:rowId xmlns:a16="http://schemas.microsoft.com/office/drawing/2014/main" xmlns="" val="10001"/>
+                    <a16:rowId xmlns:a16="http://schemas.microsoft.com/office/drawing/2014/main" val="10001"/>
                   </a:ext>
                 </a:extLst>
               </a:tr>
@@ -12187,6 +12186,11 @@
                     </a:lnR>
                   </a:tcPr>
                 </a:tc>
+                <a:extLst>
+                  <a:ext uri="{0D108BD9-81ED-4DB2-BD59-A6C34878D82A}">
+                    <a16:rowId xmlns:a16="http://schemas.microsoft.com/office/drawing/2014/main" val="10005"/>
+                  </a:ext>
+                </a:extLst>
               </a:tr>
               <a:tr h="456237">
                 <a:tc>
@@ -12261,7 +12265,7 @@
                 </a:tc>
                 <a:extLst>
                   <a:ext uri="{0D108BD9-81ED-4DB2-BD59-A6C34878D82A}">
-                    <a16:rowId xmlns:a16="http://schemas.microsoft.com/office/drawing/2014/main" xmlns="" val="10002"/>
+                    <a16:rowId xmlns:a16="http://schemas.microsoft.com/office/drawing/2014/main" val="10002"/>
                   </a:ext>
                 </a:extLst>
               </a:tr>
@@ -12330,7 +12334,7 @@
                 </a:tc>
                 <a:extLst>
                   <a:ext uri="{0D108BD9-81ED-4DB2-BD59-A6C34878D82A}">
-                    <a16:rowId xmlns:a16="http://schemas.microsoft.com/office/drawing/2014/main" xmlns="" val="10003"/>
+                    <a16:rowId xmlns:a16="http://schemas.microsoft.com/office/drawing/2014/main" val="10003"/>
                   </a:ext>
                 </a:extLst>
               </a:tr>
@@ -12397,6 +12401,11 @@
                     </a:lnR>
                   </a:tcPr>
                 </a:tc>
+                <a:extLst>
+                  <a:ext uri="{0D108BD9-81ED-4DB2-BD59-A6C34878D82A}">
+                    <a16:rowId xmlns:a16="http://schemas.microsoft.com/office/drawing/2014/main" val="10006"/>
+                  </a:ext>
+                </a:extLst>
               </a:tr>
               <a:tr h="456237">
                 <a:tc>
@@ -12509,6 +12518,11 @@
                     </a:lnR>
                   </a:tcPr>
                 </a:tc>
+                <a:extLst>
+                  <a:ext uri="{0D108BD9-81ED-4DB2-BD59-A6C34878D82A}">
+                    <a16:rowId xmlns:a16="http://schemas.microsoft.com/office/drawing/2014/main" val="10007"/>
+                  </a:ext>
+                </a:extLst>
               </a:tr>
             </a:tbl>
           </a:graphicData>
@@ -12671,10 +12685,6 @@
               </a:rPr>
               <a:t>1</a:t>
             </a:r>
-            <a:endParaRPr lang="en-US" altLang="ko-KR" sz="2000" dirty="0" smtClean="0">
-              <a:latin typeface="휴먼엑스포" panose="02030504000101010101" pitchFamily="18" charset="-127"/>
-              <a:ea typeface="휴먼엑스포" panose="02030504000101010101" pitchFamily="18" charset="-127"/>
-            </a:endParaRPr>
           </a:p>
         </p:txBody>
       </p:sp>
@@ -13756,8 +13766,8 @@
         </p:nvSpPr>
         <p:spPr>
           <a:xfrm>
-            <a:off x="1064568" y="1211048"/>
-            <a:ext cx="8136904" cy="969496"/>
+            <a:off x="1064568" y="1307376"/>
+            <a:ext cx="3888432" cy="969496"/>
           </a:xfrm>
           <a:prstGeom prst="rect">
             <a:avLst/>
@@ -13811,7 +13821,7 @@
                 <a:latin typeface="휴먼엑스포" panose="02030504000101010101" pitchFamily="18" charset="-127"/>
                 <a:ea typeface="휴먼엑스포" panose="02030504000101010101" pitchFamily="18" charset="-127"/>
               </a:rPr>
-              <a:t>모듈</a:t>
+              <a:t>모듈 예제</a:t>
             </a:r>
             <a:endParaRPr lang="en-US" altLang="ko-KR" sz="2000" dirty="0" smtClean="0">
               <a:latin typeface="휴먼엑스포" panose="02030504000101010101" pitchFamily="18" charset="-127"/>
@@ -13832,30 +13842,25 @@
               <a:t>    - </a:t>
             </a:r>
             <a:r>
-              <a:rPr lang="en-US" altLang="ko-KR" dirty="0" err="1" smtClean="0">
+              <a:rPr lang="en-US" altLang="ko-KR" dirty="0">
                 <a:latin typeface="휴먼엑스포" panose="02030504000101010101" pitchFamily="18" charset="-127"/>
                 <a:ea typeface="휴먼엑스포" panose="02030504000101010101" pitchFamily="18" charset="-127"/>
               </a:rPr>
-              <a:t>sys.exit</a:t>
-            </a:r>
-            <a:r>
-              <a:rPr lang="en-US" altLang="ko-KR" dirty="0" smtClean="0">
+              <a:t> </a:t>
+            </a:r>
+            <a:r>
+              <a:rPr lang="ko-KR" altLang="en-US" dirty="0" err="1" smtClean="0">
                 <a:latin typeface="휴먼엑스포" panose="02030504000101010101" pitchFamily="18" charset="-127"/>
                 <a:ea typeface="휴먼엑스포" panose="02030504000101010101" pitchFamily="18" charset="-127"/>
               </a:rPr>
-              <a:t>(0)  : </a:t>
-            </a:r>
-            <a:r>
-              <a:rPr lang="ko-KR" altLang="en-US" sz="1600" dirty="0" err="1" smtClean="0">
-                <a:latin typeface="+mn-ea"/>
-              </a:rPr>
-              <a:t>파이썬</a:t>
-            </a:r>
-            <a:r>
-              <a:rPr lang="ko-KR" altLang="en-US" sz="1600" dirty="0" smtClean="0">
-                <a:latin typeface="+mn-ea"/>
-              </a:rPr>
-              <a:t> 프로그램 종료</a:t>
+              <a:t>입력값</a:t>
+            </a:r>
+            <a:r>
+              <a:rPr lang="ko-KR" altLang="en-US" dirty="0" smtClean="0">
+                <a:latin typeface="휴먼엑스포" panose="02030504000101010101" pitchFamily="18" charset="-127"/>
+                <a:ea typeface="휴먼엑스포" panose="02030504000101010101" pitchFamily="18" charset="-127"/>
+              </a:rPr>
+              <a:t> 더하기</a:t>
             </a:r>
             <a:endParaRPr lang="en-US" altLang="ko-KR" sz="1600" dirty="0" smtClean="0">
               <a:latin typeface="+mn-ea"/>
@@ -13865,7 +13870,7 @@
       </p:sp>
       <p:pic>
         <p:nvPicPr>
-          <p:cNvPr id="5" name="그림 4"/>
+          <p:cNvPr id="7" name="그림 6"/>
           <p:cNvPicPr>
             <a:picLocks noChangeAspect="1"/>
           </p:cNvPicPr>
@@ -13885,8 +13890,44 @@
         </p:blipFill>
         <p:spPr>
           <a:xfrm>
-            <a:off x="1784648" y="2348880"/>
-            <a:ext cx="3699911" cy="3528392"/>
+            <a:off x="1784648" y="2492896"/>
+            <a:ext cx="5106808" cy="864096"/>
+          </a:xfrm>
+          <a:prstGeom prst="rect">
+            <a:avLst/>
+          </a:prstGeom>
+          <a:ln>
+            <a:solidFill>
+              <a:schemeClr val="bg1">
+                <a:lumMod val="85000"/>
+              </a:schemeClr>
+            </a:solidFill>
+          </a:ln>
+        </p:spPr>
+      </p:pic>
+      <p:pic>
+        <p:nvPicPr>
+          <p:cNvPr id="5" name="그림 4"/>
+          <p:cNvPicPr>
+            <a:picLocks noChangeAspect="1"/>
+          </p:cNvPicPr>
+          <p:nvPr/>
+        </p:nvPicPr>
+        <p:blipFill rotWithShape="1">
+          <a:blip r:embed="rId3">
+            <a:extLst>
+              <a:ext uri="{28A0092B-C50C-407E-A947-70E740481C1C}">
+                <a14:useLocalDpi xmlns:a14="http://schemas.microsoft.com/office/drawing/2010/main" val="0"/>
+              </a:ext>
+            </a:extLst>
+          </a:blip>
+          <a:srcRect t="47384"/>
+          <a:stretch/>
+        </p:blipFill>
+        <p:spPr>
+          <a:xfrm>
+            <a:off x="2082336" y="3650381"/>
+            <a:ext cx="4511431" cy="2293542"/>
           </a:xfrm>
           <a:prstGeom prst="rect">
             <a:avLst/>
@@ -13903,7 +13944,7 @@
     </p:spTree>
     <p:extLst>
       <p:ext uri="{BB962C8B-B14F-4D97-AF65-F5344CB8AC3E}">
-        <p14:creationId xmlns:p14="http://schemas.microsoft.com/office/powerpoint/2010/main" val="1268531560"/>
+        <p14:creationId xmlns:p14="http://schemas.microsoft.com/office/powerpoint/2010/main" val="511521680"/>
       </p:ext>
     </p:extLst>
   </p:cSld>
@@ -14001,8 +14042,8 @@
         </p:nvSpPr>
         <p:spPr>
           <a:xfrm>
-            <a:off x="1064568" y="1307376"/>
-            <a:ext cx="3888432" cy="969496"/>
+            <a:off x="1064568" y="1211048"/>
+            <a:ext cx="8136904" cy="969496"/>
           </a:xfrm>
           <a:prstGeom prst="rect">
             <a:avLst/>
@@ -14056,7 +14097,7 @@
                 <a:latin typeface="휴먼엑스포" panose="02030504000101010101" pitchFamily="18" charset="-127"/>
                 <a:ea typeface="휴먼엑스포" panose="02030504000101010101" pitchFamily="18" charset="-127"/>
               </a:rPr>
-              <a:t>모듈 예제</a:t>
+              <a:t>모듈</a:t>
             </a:r>
             <a:endParaRPr lang="en-US" altLang="ko-KR" sz="2000" dirty="0" smtClean="0">
               <a:latin typeface="휴먼엑스포" panose="02030504000101010101" pitchFamily="18" charset="-127"/>
@@ -14077,25 +14118,30 @@
               <a:t>    - </a:t>
             </a:r>
             <a:r>
-              <a:rPr lang="en-US" altLang="ko-KR" dirty="0">
+              <a:rPr lang="en-US" altLang="ko-KR" dirty="0" err="1" smtClean="0">
                 <a:latin typeface="휴먼엑스포" panose="02030504000101010101" pitchFamily="18" charset="-127"/>
                 <a:ea typeface="휴먼엑스포" panose="02030504000101010101" pitchFamily="18" charset="-127"/>
               </a:rPr>
-              <a:t> </a:t>
-            </a:r>
-            <a:r>
-              <a:rPr lang="ko-KR" altLang="en-US" dirty="0" err="1" smtClean="0">
+              <a:t>sys.exit</a:t>
+            </a:r>
+            <a:r>
+              <a:rPr lang="en-US" altLang="ko-KR" dirty="0" smtClean="0">
                 <a:latin typeface="휴먼엑스포" panose="02030504000101010101" pitchFamily="18" charset="-127"/>
                 <a:ea typeface="휴먼엑스포" panose="02030504000101010101" pitchFamily="18" charset="-127"/>
               </a:rPr>
-              <a:t>입력값</a:t>
-            </a:r>
-            <a:r>
-              <a:rPr lang="ko-KR" altLang="en-US" dirty="0" smtClean="0">
-                <a:latin typeface="휴먼엑스포" panose="02030504000101010101" pitchFamily="18" charset="-127"/>
-                <a:ea typeface="휴먼엑스포" panose="02030504000101010101" pitchFamily="18" charset="-127"/>
-              </a:rPr>
-              <a:t> 더하기</a:t>
+              <a:t>(0)  : </a:t>
+            </a:r>
+            <a:r>
+              <a:rPr lang="ko-KR" altLang="en-US" sz="1600" dirty="0" err="1" smtClean="0">
+                <a:latin typeface="+mn-ea"/>
+              </a:rPr>
+              <a:t>파이썬</a:t>
+            </a:r>
+            <a:r>
+              <a:rPr lang="ko-KR" altLang="en-US" sz="1600" dirty="0" smtClean="0">
+                <a:latin typeface="+mn-ea"/>
+              </a:rPr>
+              <a:t> 프로그램 종료</a:t>
             </a:r>
             <a:endParaRPr lang="en-US" altLang="ko-KR" sz="1600" dirty="0" smtClean="0">
               <a:latin typeface="+mn-ea"/>
@@ -14125,8 +14171,8 @@
         </p:blipFill>
         <p:spPr>
           <a:xfrm>
-            <a:off x="3224808" y="3717032"/>
-            <a:ext cx="2592288" cy="2451940"/>
+            <a:off x="1059970" y="2420888"/>
+            <a:ext cx="3901778" cy="3353091"/>
           </a:xfrm>
           <a:prstGeom prst="rect">
             <a:avLst/>
@@ -14162,8 +14208,8 @@
         </p:blipFill>
         <p:spPr>
           <a:xfrm>
-            <a:off x="1784648" y="2492896"/>
-            <a:ext cx="5106808" cy="864096"/>
+            <a:off x="5344955" y="2636912"/>
+            <a:ext cx="3795089" cy="2491956"/>
           </a:xfrm>
           <a:prstGeom prst="rect">
             <a:avLst/>
@@ -14177,56 +14223,10 @@
           </a:ln>
         </p:spPr>
       </p:pic>
-      <p:sp>
-        <p:nvSpPr>
-          <p:cNvPr id="8" name="TextBox 7"/>
-          <p:cNvSpPr txBox="1"/>
-          <p:nvPr/>
-        </p:nvSpPr>
-        <p:spPr>
-          <a:xfrm>
-            <a:off x="5529064" y="3861048"/>
-            <a:ext cx="1932008" cy="369332"/>
-          </a:xfrm>
-          <a:prstGeom prst="rect">
-            <a:avLst/>
-          </a:prstGeom>
-          <a:noFill/>
-        </p:spPr>
-        <p:txBody>
-          <a:bodyPr wrap="square" rtlCol="0">
-            <a:spAutoFit/>
-          </a:bodyPr>
-          <a:lstStyle/>
-          <a:p>
-            <a:r>
-              <a:rPr lang="en-US" altLang="ko-KR" dirty="0">
-                <a:solidFill>
-                  <a:srgbClr val="FF0000"/>
-                </a:solidFill>
-              </a:rPr>
-              <a:t>s</a:t>
-            </a:r>
-            <a:r>
-              <a:rPr lang="en-US" altLang="ko-KR" dirty="0" smtClean="0">
-                <a:solidFill>
-                  <a:srgbClr val="FF0000"/>
-                </a:solidFill>
-              </a:rPr>
-              <a:t>ys_sum.py</a:t>
-            </a:r>
-            <a:endParaRPr lang="ko-KR" altLang="en-US" dirty="0">
-              <a:solidFill>
-                <a:srgbClr val="FF0000"/>
-              </a:solidFill>
-            </a:endParaRPr>
-          </a:p>
-        </p:txBody>
-      </p:sp>
     </p:spTree>
     <p:extLst>
       <p:ext uri="{BB962C8B-B14F-4D97-AF65-F5344CB8AC3E}">
-        <p14:creationId xmlns:p14="http://schemas.microsoft.com/office/powerpoint/2010/main" val="511521680"/>
+        <p14:creationId xmlns:p14="http://schemas.microsoft.com/office/powerpoint/2010/main" val="1268531560"/>
       </p:ext>
     </p:extLst>
   </p:cSld>
@@ -14236,129 +14236,7 @@
   <p:timing>
     <p:tnLst>
       <p:par>
-        <p:cTn id="1" dur="indefinite" restart="never" nodeType="tmRoot">
-          <p:childTnLst>
-            <p:seq concurrent="1" nextAc="seek">
-              <p:cTn id="2" dur="indefinite" nodeType="mainSeq">
-                <p:childTnLst>
-                  <p:par>
-                    <p:cTn id="3" fill="hold">
-                      <p:stCondLst>
-                        <p:cond delay="indefinite"/>
-                      </p:stCondLst>
-                      <p:childTnLst>
-                        <p:par>
-                          <p:cTn id="4" fill="hold">
-                            <p:stCondLst>
-                              <p:cond delay="0"/>
-                            </p:stCondLst>
-                            <p:childTnLst>
-                              <p:par>
-                                <p:cTn id="5" presetID="42" presetClass="entr" presetSubtype="0" fill="hold" nodeType="clickEffect">
-                                  <p:stCondLst>
-                                    <p:cond delay="0"/>
-                                  </p:stCondLst>
-                                  <p:childTnLst>
-                                    <p:set>
-                                      <p:cBhvr>
-                                        <p:cTn id="6" dur="1" fill="hold">
-                                          <p:stCondLst>
-                                            <p:cond delay="0"/>
-                                          </p:stCondLst>
-                                        </p:cTn>
-                                        <p:tgtEl>
-                                          <p:spTgt spid="3"/>
-                                        </p:tgtEl>
-                                        <p:attrNameLst>
-                                          <p:attrName>style.visibility</p:attrName>
-                                        </p:attrNameLst>
-                                      </p:cBhvr>
-                                      <p:to>
-                                        <p:strVal val="visible"/>
-                                      </p:to>
-                                    </p:set>
-                                    <p:animEffect transition="in" filter="fade">
-                                      <p:cBhvr>
-                                        <p:cTn id="7" dur="1000"/>
-                                        <p:tgtEl>
-                                          <p:spTgt spid="3"/>
-                                        </p:tgtEl>
-                                      </p:cBhvr>
-                                    </p:animEffect>
-                                    <p:anim calcmode="lin" valueType="num">
-                                      <p:cBhvr>
-                                        <p:cTn id="8" dur="1000" fill="hold"/>
-                                        <p:tgtEl>
-                                          <p:spTgt spid="3"/>
-                                        </p:tgtEl>
-                                        <p:attrNameLst>
-                                          <p:attrName>ppt_x</p:attrName>
-                                        </p:attrNameLst>
-                                      </p:cBhvr>
-                                      <p:tavLst>
-                                        <p:tav tm="0">
-                                          <p:val>
-                                            <p:strVal val="#ppt_x"/>
-                                          </p:val>
-                                        </p:tav>
-                                        <p:tav tm="100000">
-                                          <p:val>
-                                            <p:strVal val="#ppt_x"/>
-                                          </p:val>
-                                        </p:tav>
-                                      </p:tavLst>
-                                    </p:anim>
-                                    <p:anim calcmode="lin" valueType="num">
-                                      <p:cBhvr>
-                                        <p:cTn id="9" dur="1000" fill="hold"/>
-                                        <p:tgtEl>
-                                          <p:spTgt spid="3"/>
-                                        </p:tgtEl>
-                                        <p:attrNameLst>
-                                          <p:attrName>ppt_y</p:attrName>
-                                        </p:attrNameLst>
-                                      </p:cBhvr>
-                                      <p:tavLst>
-                                        <p:tav tm="0">
-                                          <p:val>
-                                            <p:strVal val="#ppt_y+.1"/>
-                                          </p:val>
-                                        </p:tav>
-                                        <p:tav tm="100000">
-                                          <p:val>
-                                            <p:strVal val="#ppt_y"/>
-                                          </p:val>
-                                        </p:tav>
-                                      </p:tavLst>
-                                    </p:anim>
-                                  </p:childTnLst>
-                                </p:cTn>
-                              </p:par>
-                            </p:childTnLst>
-                          </p:cTn>
-                        </p:par>
-                      </p:childTnLst>
-                    </p:cTn>
-                  </p:par>
-                </p:childTnLst>
-              </p:cTn>
-              <p:prevCondLst>
-                <p:cond evt="onPrev" delay="0">
-                  <p:tgtEl>
-                    <p:sldTgt/>
-                  </p:tgtEl>
-                </p:cond>
-              </p:prevCondLst>
-              <p:nextCondLst>
-                <p:cond evt="onNext" delay="0">
-                  <p:tgtEl>
-                    <p:sldTgt/>
-                  </p:tgtEl>
-                </p:cond>
-              </p:nextCondLst>
-            </p:seq>
-          </p:childTnLst>
-        </p:cTn>
+        <p:cTn id="1" dur="indefinite" restart="never" nodeType="tmRoot"/>
       </p:par>
     </p:tnLst>
   </p:timing>
@@ -15709,7 +15587,7 @@
       </p:sp>
       <p:pic>
         <p:nvPicPr>
-          <p:cNvPr id="6" name="그림 5"/>
+          <p:cNvPr id="3" name="그림 2"/>
           <p:cNvPicPr>
             <a:picLocks noChangeAspect="1"/>
           </p:cNvPicPr>
@@ -15729,8 +15607,8 @@
         </p:blipFill>
         <p:spPr>
           <a:xfrm>
-            <a:off x="1548745" y="2276872"/>
-            <a:ext cx="5132448" cy="2318926"/>
+            <a:off x="1712640" y="2402671"/>
+            <a:ext cx="5867908" cy="1882303"/>
           </a:xfrm>
           <a:prstGeom prst="rect">
             <a:avLst/>
@@ -15753,7 +15631,7 @@
         <p:spPr>
           <a:xfrm>
             <a:off x="6177136" y="2402671"/>
-            <a:ext cx="1932008" cy="369332"/>
+            <a:ext cx="1080120" cy="369332"/>
           </a:xfrm>
           <a:prstGeom prst="rect">
             <a:avLst/>
@@ -15782,6 +15660,43 @@
           </a:p>
         </p:txBody>
       </p:sp>
+      <p:pic>
+        <p:nvPicPr>
+          <p:cNvPr id="5" name="그림 4"/>
+          <p:cNvPicPr>
+            <a:picLocks noChangeAspect="1"/>
+          </p:cNvPicPr>
+          <p:nvPr/>
+        </p:nvPicPr>
+        <p:blipFill>
+          <a:blip r:embed="rId3">
+            <a:extLst>
+              <a:ext uri="{28A0092B-C50C-407E-A947-70E740481C1C}">
+                <a14:useLocalDpi xmlns:a14="http://schemas.microsoft.com/office/drawing/2010/main" val="0"/>
+              </a:ext>
+            </a:extLst>
+          </a:blip>
+          <a:stretch>
+            <a:fillRect/>
+          </a:stretch>
+        </p:blipFill>
+        <p:spPr>
+          <a:xfrm>
+            <a:off x="2216696" y="4577243"/>
+            <a:ext cx="4771233" cy="1850739"/>
+          </a:xfrm>
+          <a:prstGeom prst="rect">
+            <a:avLst/>
+          </a:prstGeom>
+          <a:ln>
+            <a:solidFill>
+              <a:schemeClr val="bg1">
+                <a:lumMod val="85000"/>
+              </a:schemeClr>
+            </a:solidFill>
+          </a:ln>
+        </p:spPr>
+      </p:pic>
     </p:spTree>
     <p:extLst>
       <p:ext uri="{BB962C8B-B14F-4D97-AF65-F5344CB8AC3E}">
@@ -15848,38 +15763,15 @@
           </a:p>
         </p:txBody>
       </p:sp>
-      <p:sp>
-        <p:nvSpPr>
-          <p:cNvPr id="4" name="슬라이드 번호 개체 틀 3"/>
-          <p:cNvSpPr>
-            <a:spLocks noGrp="1"/>
-          </p:cNvSpPr>
-          <p:nvPr>
-            <p:ph type="sldNum" sz="quarter" idx="12"/>
-          </p:nvPr>
-        </p:nvSpPr>
-        <p:spPr/>
-        <p:txBody>
-          <a:bodyPr/>
-          <a:lstStyle/>
-          <a:p>
-            <a:fld id="{1BDE3FE7-3AEA-4B05-AC5A-802D1816ACF0}" type="slidenum">
-              <a:rPr lang="ko-KR" altLang="en-US" smtClean="0"/>
-              <a:t>38</a:t>
-            </a:fld>
-            <a:endParaRPr lang="ko-KR" altLang="en-US"/>
-          </a:p>
-        </p:txBody>
-      </p:sp>
       <p:pic>
         <p:nvPicPr>
-          <p:cNvPr id="6" name="그림 5"/>
+          <p:cNvPr id="3" name="그림 2"/>
           <p:cNvPicPr>
             <a:picLocks noChangeAspect="1"/>
           </p:cNvPicPr>
           <p:nvPr/>
         </p:nvPicPr>
-        <p:blipFill rotWithShape="1">
+        <p:blipFill>
           <a:blip r:embed="rId2">
             <a:extLst>
               <a:ext uri="{28A0092B-C50C-407E-A947-70E740481C1C}">
@@ -15887,13 +15779,14 @@
               </a:ext>
             </a:extLst>
           </a:blip>
-          <a:srcRect b="44831"/>
-          <a:stretch/>
+          <a:stretch>
+            <a:fillRect/>
+          </a:stretch>
         </p:blipFill>
         <p:spPr>
           <a:xfrm>
-            <a:off x="3575412" y="3645024"/>
-            <a:ext cx="4442845" cy="2619265"/>
+            <a:off x="3512840" y="3519383"/>
+            <a:ext cx="3642676" cy="2933954"/>
           </a:xfrm>
           <a:prstGeom prst="rect">
             <a:avLst/>
@@ -15909,39 +15802,24 @@
       </p:pic>
       <p:sp>
         <p:nvSpPr>
-          <p:cNvPr id="13" name="TextBox 12"/>
-          <p:cNvSpPr txBox="1"/>
-          <p:nvPr/>
-        </p:nvSpPr>
-        <p:spPr>
-          <a:xfrm>
-            <a:off x="6969224" y="3933056"/>
-            <a:ext cx="1932008" cy="369332"/>
-          </a:xfrm>
-          <a:prstGeom prst="rect">
-            <a:avLst/>
-          </a:prstGeom>
-          <a:noFill/>
-        </p:spPr>
-        <p:txBody>
-          <a:bodyPr wrap="square" rtlCol="0">
-            <a:spAutoFit/>
-          </a:bodyPr>
-          <a:lstStyle/>
-          <a:p>
-            <a:r>
-              <a:rPr lang="en-US" altLang="ko-KR" dirty="0" smtClean="0">
-                <a:solidFill>
-                  <a:srgbClr val="FF0000"/>
-                </a:solidFill>
-              </a:rPr>
-              <a:t>myfunctions.py</a:t>
-            </a:r>
-            <a:endParaRPr lang="ko-KR" altLang="en-US" dirty="0">
-              <a:solidFill>
-                <a:srgbClr val="FF0000"/>
-              </a:solidFill>
-            </a:endParaRPr>
+          <p:cNvPr id="4" name="슬라이드 번호 개체 틀 3"/>
+          <p:cNvSpPr>
+            <a:spLocks noGrp="1"/>
+          </p:cNvSpPr>
+          <p:nvPr>
+            <p:ph type="sldNum" sz="quarter" idx="12"/>
+          </p:nvPr>
+        </p:nvSpPr>
+        <p:spPr/>
+        <p:txBody>
+          <a:bodyPr/>
+          <a:lstStyle/>
+          <a:p>
+            <a:fld id="{1BDE3FE7-3AEA-4B05-AC5A-802D1816ACF0}" type="slidenum">
+              <a:rPr lang="ko-KR" altLang="en-US" smtClean="0"/>
+              <a:t>38</a:t>
+            </a:fld>
+            <a:endParaRPr lang="ko-KR" altLang="en-US"/>
           </a:p>
         </p:txBody>
       </p:sp>
@@ -16089,7 +15967,7 @@
               <a:t>  </a:t>
             </a:r>
             <a:r>
-              <a:rPr lang="ko-KR" altLang="en-US" dirty="0">
+              <a:rPr lang="ko-KR" altLang="en-US" dirty="0" smtClean="0">
                 <a:solidFill>
                   <a:sysClr val="windowText" lastClr="000000"/>
                 </a:solidFill>
@@ -16097,7 +15975,7 @@
               <a:t>패키지 이름  </a:t>
             </a:r>
             <a:r>
-              <a:rPr lang="en-US" altLang="ko-KR" b="1" dirty="0">
+              <a:rPr lang="en-US" altLang="ko-KR" b="1" dirty="0" smtClean="0">
                 <a:solidFill>
                   <a:sysClr val="windowText" lastClr="000000"/>
                 </a:solidFill>
@@ -16105,7 +15983,7 @@
               <a:t>import</a:t>
             </a:r>
             <a:r>
-              <a:rPr lang="en-US" altLang="ko-KR" dirty="0">
+              <a:rPr lang="en-US" altLang="ko-KR" dirty="0" smtClean="0">
                 <a:solidFill>
                   <a:sysClr val="windowText" lastClr="000000"/>
                 </a:solidFill>
@@ -16152,7 +16030,7 @@
               </a:rPr>
               <a:t>이름</a:t>
             </a:r>
-            <a:endParaRPr lang="en-US" altLang="ko-KR" dirty="0">
+            <a:endParaRPr lang="en-US" altLang="ko-KR" dirty="0" smtClean="0">
               <a:solidFill>
                 <a:srgbClr val="C00000"/>
               </a:solidFill>
@@ -16165,12 +16043,20 @@
               </a:lnSpc>
             </a:pPr>
             <a:r>
-              <a:rPr lang="en-US" altLang="ko-KR" dirty="0">
+              <a:rPr lang="en-US" altLang="ko-KR" dirty="0" smtClean="0">
                 <a:solidFill>
                   <a:sysClr val="windowText" lastClr="000000"/>
                 </a:solidFill>
               </a:rPr>
-              <a:t>   </a:t>
+              <a:t>    - </a:t>
+            </a:r>
+            <a:r>
+              <a:rPr lang="en-US" altLang="ko-KR" b="1" dirty="0" smtClean="0">
+                <a:solidFill>
+                  <a:sysClr val="windowText" lastClr="000000"/>
+                </a:solidFill>
+              </a:rPr>
+              <a:t>from </a:t>
             </a:r>
             <a:r>
               <a:rPr lang="en-US" altLang="ko-KR" dirty="0" smtClean="0">
@@ -16178,7 +16064,31 @@
                   <a:sysClr val="windowText" lastClr="000000"/>
                 </a:solidFill>
               </a:rPr>
-              <a:t> - </a:t>
+              <a:t> </a:t>
+            </a:r>
+            <a:r>
+              <a:rPr lang="ko-KR" altLang="en-US" dirty="0" err="1" smtClean="0">
+                <a:solidFill>
+                  <a:sysClr val="windowText" lastClr="000000"/>
+                </a:solidFill>
+              </a:rPr>
+              <a:t>패키지이름</a:t>
+            </a:r>
+            <a:r>
+              <a:rPr lang="en-US" altLang="ko-KR" dirty="0" smtClean="0">
+                <a:solidFill>
+                  <a:sysClr val="windowText" lastClr="000000"/>
+                </a:solidFill>
+              </a:rPr>
+              <a:t>.</a:t>
+            </a:r>
+            <a:r>
+              <a:rPr lang="ko-KR" altLang="en-US" dirty="0" smtClean="0">
+                <a:solidFill>
+                  <a:sysClr val="windowText" lastClr="000000"/>
+                </a:solidFill>
+              </a:rPr>
+              <a:t>파일이름  </a:t>
             </a:r>
             <a:r>
               <a:rPr lang="en-US" altLang="ko-KR" b="1" dirty="0" smtClean="0">
@@ -16186,55 +16096,7 @@
                   <a:sysClr val="windowText" lastClr="000000"/>
                 </a:solidFill>
               </a:rPr>
-              <a:t>from </a:t>
-            </a:r>
-            <a:r>
-              <a:rPr lang="en-US" altLang="ko-KR" dirty="0" smtClean="0">
-                <a:solidFill>
-                  <a:sysClr val="windowText" lastClr="000000"/>
-                </a:solidFill>
-              </a:rPr>
-              <a:t> </a:t>
-            </a:r>
-            <a:r>
-              <a:rPr lang="ko-KR" altLang="en-US" dirty="0">
-                <a:solidFill>
-                  <a:sysClr val="windowText" lastClr="000000"/>
-                </a:solidFill>
-              </a:rPr>
-              <a:t>패키지이름</a:t>
-            </a:r>
-            <a:r>
-              <a:rPr lang="en-US" altLang="ko-KR" dirty="0">
-                <a:solidFill>
-                  <a:sysClr val="windowText" lastClr="000000"/>
-                </a:solidFill>
-              </a:rPr>
-              <a:t>.</a:t>
-            </a:r>
-            <a:r>
-              <a:rPr lang="ko-KR" altLang="en-US" dirty="0">
-                <a:solidFill>
-                  <a:sysClr val="windowText" lastClr="000000"/>
-                </a:solidFill>
-              </a:rPr>
-              <a:t>파일이름  </a:t>
-            </a:r>
-            <a:r>
-              <a:rPr lang="en-US" altLang="ko-KR" b="1" dirty="0">
-                <a:solidFill>
-                  <a:sysClr val="windowText" lastClr="000000"/>
-                </a:solidFill>
-              </a:rPr>
-              <a:t>import </a:t>
-            </a:r>
-            <a:r>
-              <a:rPr lang="en-US" altLang="ko-KR" b="1" dirty="0" smtClean="0">
-                <a:solidFill>
-                  <a:sysClr val="windowText" lastClr="000000"/>
-                </a:solidFill>
-              </a:rPr>
-              <a:t> </a:t>
+              <a:t>import  </a:t>
             </a:r>
             <a:r>
               <a:rPr lang="ko-KR" altLang="en-US" dirty="0" smtClean="0">
@@ -16263,6 +16125,44 @@
             <a:endParaRPr lang="ko-KR" altLang="en-US" dirty="0">
               <a:solidFill>
                 <a:srgbClr val="C00000"/>
+              </a:solidFill>
+            </a:endParaRPr>
+          </a:p>
+        </p:txBody>
+      </p:sp>
+      <p:sp>
+        <p:nvSpPr>
+          <p:cNvPr id="13" name="TextBox 12"/>
+          <p:cNvSpPr txBox="1"/>
+          <p:nvPr/>
+        </p:nvSpPr>
+        <p:spPr>
+          <a:xfrm>
+            <a:off x="6465168" y="3908252"/>
+            <a:ext cx="1932008" cy="369332"/>
+          </a:xfrm>
+          <a:prstGeom prst="rect">
+            <a:avLst/>
+          </a:prstGeom>
+          <a:noFill/>
+        </p:spPr>
+        <p:txBody>
+          <a:bodyPr wrap="square" rtlCol="0">
+            <a:spAutoFit/>
+          </a:bodyPr>
+          <a:lstStyle/>
+          <a:p>
+            <a:r>
+              <a:rPr lang="en-US" altLang="ko-KR" dirty="0" smtClean="0">
+                <a:solidFill>
+                  <a:srgbClr val="FF0000"/>
+                </a:solidFill>
+              </a:rPr>
+              <a:t>myfunctions.py</a:t>
+            </a:r>
+            <a:endParaRPr lang="ko-KR" altLang="en-US" dirty="0">
+              <a:solidFill>
+                <a:srgbClr val="FF0000"/>
               </a:solidFill>
             </a:endParaRPr>
           </a:p>
@@ -16419,13 +16319,13 @@
       </p:sp>
       <p:pic>
         <p:nvPicPr>
-          <p:cNvPr id="5" name="그림 4"/>
+          <p:cNvPr id="3" name="그림 2"/>
           <p:cNvPicPr>
             <a:picLocks noChangeAspect="1"/>
           </p:cNvPicPr>
           <p:nvPr/>
         </p:nvPicPr>
-        <p:blipFill rotWithShape="1">
+        <p:blipFill>
           <a:blip r:embed="rId2">
             <a:extLst>
               <a:ext uri="{28A0092B-C50C-407E-A947-70E740481C1C}">
@@ -16433,13 +16333,14 @@
               </a:ext>
             </a:extLst>
           </a:blip>
-          <a:srcRect b="29222"/>
-          <a:stretch/>
+          <a:stretch>
+            <a:fillRect/>
+          </a:stretch>
         </p:blipFill>
         <p:spPr>
           <a:xfrm>
-            <a:off x="1568624" y="2108516"/>
-            <a:ext cx="6332769" cy="2653748"/>
+            <a:off x="1845713" y="1965120"/>
+            <a:ext cx="5494496" cy="4366638"/>
           </a:xfrm>
           <a:prstGeom prst="rect">
             <a:avLst/>
